--- a/docs/Space Apps.pptx
+++ b/docs/Space Apps.pptx
@@ -221,7 +221,7 @@
           <a:p>
             <a:fld id="{FAA6E552-E8E5-4BBE-8297-5E0BCD2A449C}" type="datetimeFigureOut">
               <a:rPr lang="en-US" smtClean="0"/>
-              <a:t>4/24/2016</a:t>
+              <a:t>4/24/16</a:t>
             </a:fld>
             <a:endParaRPr lang="en-US"/>
           </a:p>
@@ -287,7 +287,7 @@
           <a:p>
             <a:fld id="{BB80F8D9-0C31-41E5-A3E0-E2D5C4FA4676}" type="slidenum">
               <a:rPr lang="en-US" smtClean="0"/>
-              <a:t>‹Nº›</a:t>
+              <a:t>‹#›</a:t>
             </a:fld>
             <a:endParaRPr lang="en-US"/>
           </a:p>
@@ -386,7 +386,7 @@
           <a:p>
             <a:fld id="{AEC9C1EB-18EA-45E0-9CF5-A8B3536A7557}" type="datetimeFigureOut">
               <a:rPr lang="en-US" smtClean="0"/>
-              <a:t>4/24/2016</a:t>
+              <a:t>4/24/16</a:t>
             </a:fld>
             <a:endParaRPr lang="en-US"/>
           </a:p>
@@ -545,7 +545,7 @@
           <a:p>
             <a:fld id="{7171724D-DCE4-44CA-8276-1908859463CE}" type="slidenum">
               <a:rPr lang="en-US" smtClean="0"/>
-              <a:t>‹Nº›</a:t>
+              <a:t>‹#›</a:t>
             </a:fld>
             <a:endParaRPr lang="en-US"/>
           </a:p>
@@ -1202,7 +1202,7 @@
           <a:p>
             <a:fld id="{C2CE4BAF-07FB-4718-B765-6696022D4B1D}" type="slidenum">
               <a:rPr lang="en-US" smtClean="0"/>
-              <a:t>‹Nº›</a:t>
+              <a:t>‹#›</a:t>
             </a:fld>
             <a:endParaRPr lang="en-US"/>
           </a:p>
@@ -1821,7 +1821,7 @@
           <a:p>
             <a:fld id="{C2CE4BAF-07FB-4718-B765-6696022D4B1D}" type="slidenum">
               <a:rPr lang="en-US" smtClean="0"/>
-              <a:t>‹Nº›</a:t>
+              <a:t>‹#›</a:t>
             </a:fld>
             <a:endParaRPr lang="en-US"/>
           </a:p>
@@ -2065,7 +2065,7 @@
           <a:p>
             <a:fld id="{C2CE4BAF-07FB-4718-B765-6696022D4B1D}" type="slidenum">
               <a:rPr lang="en-US" smtClean="0"/>
-              <a:t>‹Nº›</a:t>
+              <a:t>‹#›</a:t>
             </a:fld>
             <a:endParaRPr lang="en-US"/>
           </a:p>
@@ -2309,7 +2309,7 @@
           <a:p>
             <a:fld id="{C2CE4BAF-07FB-4718-B765-6696022D4B1D}" type="slidenum">
               <a:rPr lang="en-US" smtClean="0"/>
-              <a:t>‹Nº›</a:t>
+              <a:t>‹#›</a:t>
             </a:fld>
             <a:endParaRPr lang="en-US"/>
           </a:p>
@@ -2621,7 +2621,7 @@
           <a:p>
             <a:fld id="{C2CE4BAF-07FB-4718-B765-6696022D4B1D}" type="slidenum">
               <a:rPr lang="en-US" smtClean="0"/>
-              <a:t>‹Nº›</a:t>
+              <a:t>‹#›</a:t>
             </a:fld>
             <a:endParaRPr lang="en-US"/>
           </a:p>
@@ -2932,7 +2932,7 @@
           <a:p>
             <a:fld id="{C2CE4BAF-07FB-4718-B765-6696022D4B1D}" type="slidenum">
               <a:rPr lang="en-US" smtClean="0"/>
-              <a:t>‹Nº›</a:t>
+              <a:t>‹#›</a:t>
             </a:fld>
             <a:endParaRPr lang="en-US"/>
           </a:p>
@@ -3175,7 +3175,7 @@
           <a:p>
             <a:fld id="{C2CE4BAF-07FB-4718-B765-6696022D4B1D}" type="slidenum">
               <a:rPr lang="en-US" smtClean="0"/>
-              <a:t>‹Nº›</a:t>
+              <a:t>‹#›</a:t>
             </a:fld>
             <a:endParaRPr lang="en-US"/>
           </a:p>
@@ -3606,7 +3606,7 @@
           <a:p>
             <a:fld id="{C2CE4BAF-07FB-4718-B765-6696022D4B1D}" type="slidenum">
               <a:rPr lang="en-US" smtClean="0"/>
-              <a:t>‹Nº›</a:t>
+              <a:t>‹#›</a:t>
             </a:fld>
             <a:endParaRPr lang="en-US"/>
           </a:p>
@@ -3835,7 +3835,7 @@
           <a:p>
             <a:fld id="{C2CE4BAF-07FB-4718-B765-6696022D4B1D}" type="slidenum">
               <a:rPr lang="en-US" smtClean="0"/>
-              <a:t>‹Nº›</a:t>
+              <a:t>‹#›</a:t>
             </a:fld>
             <a:endParaRPr lang="en-US"/>
           </a:p>
@@ -4271,7 +4271,7 @@
           <a:p>
             <a:fld id="{C2CE4BAF-07FB-4718-B765-6696022D4B1D}" type="slidenum">
               <a:rPr lang="en-US" smtClean="0"/>
-              <a:t>‹Nº›</a:t>
+              <a:t>‹#›</a:t>
             </a:fld>
             <a:endParaRPr lang="en-US"/>
           </a:p>
@@ -4487,7 +4487,7 @@
           <a:p>
             <a:fld id="{C2CE4BAF-07FB-4718-B765-6696022D4B1D}" type="slidenum">
               <a:rPr lang="en-US" smtClean="0"/>
-              <a:t>‹Nº›</a:t>
+              <a:t>‹#›</a:t>
             </a:fld>
             <a:endParaRPr lang="en-US"/>
           </a:p>
@@ -4843,7 +4843,7 @@
           <a:p>
             <a:fld id="{C2CE4BAF-07FB-4718-B765-6696022D4B1D}" type="slidenum">
               <a:rPr lang="en-US" smtClean="0"/>
-              <a:t>‹Nº›</a:t>
+              <a:t>‹#›</a:t>
             </a:fld>
             <a:endParaRPr lang="en-US"/>
           </a:p>
@@ -5866,7 +5866,7 @@
           <a:p>
             <a:fld id="{C2CE4BAF-07FB-4718-B765-6696022D4B1D}" type="slidenum">
               <a:rPr lang="en-US" smtClean="0"/>
-              <a:t>‹Nº›</a:t>
+              <a:t>‹#›</a:t>
             </a:fld>
             <a:endParaRPr lang="en-US"/>
           </a:p>
@@ -7230,7 +7230,7 @@
           <a:p>
             <a:fld id="{C2CE4BAF-07FB-4718-B765-6696022D4B1D}" type="slidenum">
               <a:rPr lang="en-US" smtClean="0"/>
-              <a:t>‹Nº›</a:t>
+              <a:t>‹#›</a:t>
             </a:fld>
             <a:endParaRPr lang="en-US"/>
           </a:p>
@@ -8045,7 +8045,7 @@
           <a:p>
             <a:fld id="{C2CE4BAF-07FB-4718-B765-6696022D4B1D}" type="slidenum">
               <a:rPr lang="en-US" smtClean="0"/>
-              <a:t>‹Nº›</a:t>
+              <a:t>‹#›</a:t>
             </a:fld>
             <a:endParaRPr lang="en-US"/>
           </a:p>
@@ -9211,7 +9211,7 @@
           <a:p>
             <a:fld id="{C2CE4BAF-07FB-4718-B765-6696022D4B1D}" type="slidenum">
               <a:rPr lang="en-US" smtClean="0"/>
-              <a:t>‹Nº›</a:t>
+              <a:t>‹#›</a:t>
             </a:fld>
             <a:endParaRPr lang="en-US"/>
           </a:p>
@@ -10184,7 +10184,7 @@
           <a:p>
             <a:fld id="{C2CE4BAF-07FB-4718-B765-6696022D4B1D}" type="slidenum">
               <a:rPr lang="en-US" smtClean="0"/>
-              <a:t>‹Nº›</a:t>
+              <a:t>‹#›</a:t>
             </a:fld>
             <a:endParaRPr lang="en-US"/>
           </a:p>
@@ -10654,7 +10654,7 @@
           <a:p>
             <a:fld id="{C2CE4BAF-07FB-4718-B765-6696022D4B1D}" type="slidenum">
               <a:rPr lang="en-US" smtClean="0"/>
-              <a:t>‹Nº›</a:t>
+              <a:t>‹#›</a:t>
             </a:fld>
             <a:endParaRPr lang="en-US"/>
           </a:p>
@@ -11283,7 +11283,7 @@
             <a:fld id="{C2CE4BAF-07FB-4718-B765-6696022D4B1D}" type="slidenum">
               <a:rPr lang="en-US" smtClean="0"/>
               <a:pPr/>
-              <a:t>‹Nº›</a:t>
+              <a:t>‹#›</a:t>
             </a:fld>
             <a:endParaRPr lang="en-US" dirty="0"/>
           </a:p>
@@ -12425,15 +12425,8 @@
           <a:p>
             <a:pPr algn="ctr"/>
             <a:r>
-              <a:rPr lang="es-NI" dirty="0" smtClean="0"/>
-              <a:t>Team Mascot</a:t>
-            </a:r>
-          </a:p>
-          <a:p>
-            <a:pPr algn="ctr"/>
-            <a:r>
-              <a:rPr lang="es-NI" dirty="0" smtClean="0"/>
-              <a:t>Logo Designer</a:t>
+              <a:rPr lang="es-NI" smtClean="0"/>
+              <a:t>Software Developer</a:t>
             </a:r>
             <a:endParaRPr lang="es-NI" dirty="0"/>
           </a:p>

--- a/docs/Space Apps.pptx
+++ b/docs/Space Apps.pptx
@@ -12030,8 +12030,8 @@
         </p:nvSpPr>
         <p:spPr>
           <a:xfrm>
-            <a:off x="4557327" y="1427017"/>
-            <a:ext cx="2836719" cy="771525"/>
+            <a:off x="3879273" y="1427017"/>
+            <a:ext cx="3861137" cy="771525"/>
           </a:xfrm>
         </p:spPr>
         <p:txBody>
@@ -12040,6 +12040,7 @@
           </a:bodyPr>
           <a:lstStyle/>
           <a:p>
+            <a:pPr algn="r"/>
             <a:r>
               <a:rPr lang="en-US" sz="5400" dirty="0" smtClean="0">
                 <a:effectLst>
@@ -12122,7 +12123,7 @@
         </p:blipFill>
         <p:spPr>
           <a:xfrm>
-            <a:off x="4692473" y="2603361"/>
+            <a:off x="4664763" y="2547941"/>
             <a:ext cx="2701573" cy="1703226"/>
           </a:xfrm>
           <a:prstGeom prst="rect">
@@ -13474,7 +13475,15 @@
             </a:r>
             <a:r>
               <a:rPr lang="en-US" dirty="0" err="1" smtClean="0"/>
-              <a:t>Solucion</a:t>
+              <a:t>Soluci</a:t>
+            </a:r>
+            <a:r>
+              <a:rPr lang="es-ES" dirty="0" err="1" smtClean="0"/>
+              <a:t>ó</a:t>
+            </a:r>
+            <a:r>
+              <a:rPr lang="en-US" dirty="0" smtClean="0"/>
+              <a:t>n</a:t>
             </a:r>
             <a:endParaRPr lang="en-US" dirty="0"/>
           </a:p>
